--- a/Project_Space_Debris/vortrag/20221219_Yu.pptx
+++ b/Project_Space_Debris/vortrag/20221219_Yu.pptx
@@ -5,10 +5,16 @@
     <p:sldMasterId id="2147483648" r:id="rId1"/>
   </p:sldMasterIdLst>
   <p:notesMasterIdLst>
-    <p:notesMasterId r:id="rId3"/>
+    <p:notesMasterId r:id="rId9"/>
   </p:notesMasterIdLst>
   <p:sldIdLst>
     <p:sldId id="280" r:id="rId2"/>
+    <p:sldId id="281" r:id="rId3"/>
+    <p:sldId id="282" r:id="rId4"/>
+    <p:sldId id="283" r:id="rId5"/>
+    <p:sldId id="284" r:id="rId6"/>
+    <p:sldId id="285" r:id="rId7"/>
+    <p:sldId id="286" r:id="rId8"/>
   </p:sldIdLst>
   <p:sldSz cx="9144000" cy="6858000" type="screen4x3"/>
   <p:notesSz cx="6858000" cy="9144000"/>
@@ -159,8 +165,7 @@
 <file path=ppt/revisionInfo.xml><?xml version="1.0" encoding="utf-8"?>
 <p1510:revInfo xmlns:a="http://schemas.openxmlformats.org/drawingml/2006/main" xmlns:r="http://schemas.openxmlformats.org/officeDocument/2006/relationships" xmlns:p1510="http://schemas.microsoft.com/office/powerpoint/2015/10/main">
   <p1510:revLst>
-    <p1510:client id="{31473BE9-0D82-4ABB-A311-CB31F9F364DA}" v="83" dt="2022-11-28T12:17:32.979"/>
-    <p1510:client id="{D35B35E3-E0DF-441C-8EAA-AE91011677CB}" v="5" dt="2022-11-28T17:12:14.791"/>
+    <p1510:client id="{FC4BED8D-B233-477F-A57F-A8E1C0AD9783}" v="35" dt="2022-12-19T18:57:41.481"/>
   </p1510:revLst>
 </p1510:revInfo>
 </file>
@@ -1182,6 +1187,352 @@
             <pc:docMk/>
             <pc:sldMk cId="4073100235" sldId="347"/>
             <ac:picMk id="12" creationId="{704F3BC9-331C-66C1-124D-29C57E087D5B}"/>
+          </ac:picMkLst>
+        </pc:picChg>
+      </pc:sldChg>
+    </pc:docChg>
+  </pc:docChgLst>
+  <pc:docChgLst>
+    <pc:chgData name="Ziqing Yu" userId="76dbd0bb75f3aa62" providerId="LiveId" clId="{FC4BED8D-B233-477F-A57F-A8E1C0AD9783}"/>
+    <pc:docChg chg="undo custSel addSld modSld">
+      <pc:chgData name="Ziqing Yu" userId="76dbd0bb75f3aa62" providerId="LiveId" clId="{FC4BED8D-B233-477F-A57F-A8E1C0AD9783}" dt="2022-12-19T19:09:46.387" v="1029" actId="20577"/>
+      <pc:docMkLst>
+        <pc:docMk/>
+      </pc:docMkLst>
+      <pc:sldChg chg="modSp mod">
+        <pc:chgData name="Ziqing Yu" userId="76dbd0bb75f3aa62" providerId="LiveId" clId="{FC4BED8D-B233-477F-A57F-A8E1C0AD9783}" dt="2022-12-19T18:56:37.104" v="641" actId="20577"/>
+        <pc:sldMkLst>
+          <pc:docMk/>
+          <pc:sldMk cId="0" sldId="280"/>
+        </pc:sldMkLst>
+        <pc:spChg chg="mod">
+          <ac:chgData name="Ziqing Yu" userId="76dbd0bb75f3aa62" providerId="LiveId" clId="{FC4BED8D-B233-477F-A57F-A8E1C0AD9783}" dt="2022-12-19T18:56:19.250" v="623" actId="20577"/>
+          <ac:spMkLst>
+            <pc:docMk/>
+            <pc:sldMk cId="0" sldId="280"/>
+            <ac:spMk id="3074" creationId="{D82F4DED-3F30-4446-98D1-9098F576EFB6}"/>
+          </ac:spMkLst>
+        </pc:spChg>
+        <pc:spChg chg="mod">
+          <ac:chgData name="Ziqing Yu" userId="76dbd0bb75f3aa62" providerId="LiveId" clId="{FC4BED8D-B233-477F-A57F-A8E1C0AD9783}" dt="2022-12-19T18:56:37.104" v="641" actId="20577"/>
+          <ac:spMkLst>
+            <pc:docMk/>
+            <pc:sldMk cId="0" sldId="280"/>
+            <ac:spMk id="3076" creationId="{969AC5BE-72F8-467E-99A1-0262EF93D23C}"/>
+          </ac:spMkLst>
+        </pc:spChg>
+      </pc:sldChg>
+      <pc:sldChg chg="addSp delSp modSp new mod">
+        <pc:chgData name="Ziqing Yu" userId="76dbd0bb75f3aa62" providerId="LiveId" clId="{FC4BED8D-B233-477F-A57F-A8E1C0AD9783}" dt="2022-12-19T18:40:39.331" v="117" actId="20577"/>
+        <pc:sldMkLst>
+          <pc:docMk/>
+          <pc:sldMk cId="1323924032" sldId="281"/>
+        </pc:sldMkLst>
+        <pc:spChg chg="mod">
+          <ac:chgData name="Ziqing Yu" userId="76dbd0bb75f3aa62" providerId="LiveId" clId="{FC4BED8D-B233-477F-A57F-A8E1C0AD9783}" dt="2022-12-19T18:40:39.331" v="117" actId="20577"/>
+          <ac:spMkLst>
+            <pc:docMk/>
+            <pc:sldMk cId="1323924032" sldId="281"/>
+            <ac:spMk id="2" creationId="{99B598F4-0BC5-F193-C374-5D147836B0CA}"/>
+          </ac:spMkLst>
+        </pc:spChg>
+        <pc:spChg chg="del">
+          <ac:chgData name="Ziqing Yu" userId="76dbd0bb75f3aa62" providerId="LiveId" clId="{FC4BED8D-B233-477F-A57F-A8E1C0AD9783}" dt="2022-12-19T18:36:50.177" v="1"/>
+          <ac:spMkLst>
+            <pc:docMk/>
+            <pc:sldMk cId="1323924032" sldId="281"/>
+            <ac:spMk id="3" creationId="{35B77D88-99C6-9AEB-AABE-32A20973A924}"/>
+          </ac:spMkLst>
+        </pc:spChg>
+        <pc:spChg chg="add mod">
+          <ac:chgData name="Ziqing Yu" userId="76dbd0bb75f3aa62" providerId="LiveId" clId="{FC4BED8D-B233-477F-A57F-A8E1C0AD9783}" dt="2022-12-19T18:38:42.888" v="23" actId="14100"/>
+          <ac:spMkLst>
+            <pc:docMk/>
+            <pc:sldMk cId="1323924032" sldId="281"/>
+            <ac:spMk id="13" creationId="{2F55527B-F180-1A5A-F95D-2C40D70E5C47}"/>
+          </ac:spMkLst>
+        </pc:spChg>
+        <pc:spChg chg="add mod">
+          <ac:chgData name="Ziqing Yu" userId="76dbd0bb75f3aa62" providerId="LiveId" clId="{FC4BED8D-B233-477F-A57F-A8E1C0AD9783}" dt="2022-12-19T18:39:18.297" v="61" actId="1076"/>
+          <ac:spMkLst>
+            <pc:docMk/>
+            <pc:sldMk cId="1323924032" sldId="281"/>
+            <ac:spMk id="14" creationId="{5E0CBC03-2F27-F2A7-C976-98342C5E33B9}"/>
+          </ac:spMkLst>
+        </pc:spChg>
+        <pc:spChg chg="add mod">
+          <ac:chgData name="Ziqing Yu" userId="76dbd0bb75f3aa62" providerId="LiveId" clId="{FC4BED8D-B233-477F-A57F-A8E1C0AD9783}" dt="2022-12-19T18:40:12.418" v="100" actId="1076"/>
+          <ac:spMkLst>
+            <pc:docMk/>
+            <pc:sldMk cId="1323924032" sldId="281"/>
+            <ac:spMk id="15" creationId="{A2804164-F26D-CE45-15BA-FE6E310B247B}"/>
+          </ac:spMkLst>
+        </pc:spChg>
+        <pc:picChg chg="add mod">
+          <ac:chgData name="Ziqing Yu" userId="76dbd0bb75f3aa62" providerId="LiveId" clId="{FC4BED8D-B233-477F-A57F-A8E1C0AD9783}" dt="2022-12-19T18:38:45.909" v="24" actId="1076"/>
+          <ac:picMkLst>
+            <pc:docMk/>
+            <pc:sldMk cId="1323924032" sldId="281"/>
+            <ac:picMk id="6" creationId="{4A7D6174-9984-BF30-91EB-F3B8734A19CA}"/>
+          </ac:picMkLst>
+        </pc:picChg>
+        <pc:picChg chg="add del mod">
+          <ac:chgData name="Ziqing Yu" userId="76dbd0bb75f3aa62" providerId="LiveId" clId="{FC4BED8D-B233-477F-A57F-A8E1C0AD9783}" dt="2022-12-19T18:37:29.440" v="7" actId="478"/>
+          <ac:picMkLst>
+            <pc:docMk/>
+            <pc:sldMk cId="1323924032" sldId="281"/>
+            <ac:picMk id="8" creationId="{A65CA627-A202-C442-0BFC-3A0DAEA96DC7}"/>
+          </ac:picMkLst>
+        </pc:picChg>
+        <pc:picChg chg="add mod">
+          <ac:chgData name="Ziqing Yu" userId="76dbd0bb75f3aa62" providerId="LiveId" clId="{FC4BED8D-B233-477F-A57F-A8E1C0AD9783}" dt="2022-12-19T18:38:52.712" v="26" actId="14100"/>
+          <ac:picMkLst>
+            <pc:docMk/>
+            <pc:sldMk cId="1323924032" sldId="281"/>
+            <ac:picMk id="10" creationId="{8B52FB9C-1F20-1CE3-0271-B968BC5DBDC4}"/>
+          </ac:picMkLst>
+        </pc:picChg>
+        <pc:cxnChg chg="add del mod">
+          <ac:chgData name="Ziqing Yu" userId="76dbd0bb75f3aa62" providerId="LiveId" clId="{FC4BED8D-B233-477F-A57F-A8E1C0AD9783}" dt="2022-12-19T18:38:33.389" v="19" actId="478"/>
+          <ac:cxnSpMkLst>
+            <pc:docMk/>
+            <pc:sldMk cId="1323924032" sldId="281"/>
+            <ac:cxnSpMk id="12" creationId="{510C4FAA-4938-FB20-19D0-488B7B8BF965}"/>
+          </ac:cxnSpMkLst>
+        </pc:cxnChg>
+      </pc:sldChg>
+      <pc:sldChg chg="addSp delSp modSp new mod">
+        <pc:chgData name="Ziqing Yu" userId="76dbd0bb75f3aa62" providerId="LiveId" clId="{FC4BED8D-B233-477F-A57F-A8E1C0AD9783}" dt="2022-12-19T18:43:26.305" v="236" actId="1076"/>
+        <pc:sldMkLst>
+          <pc:docMk/>
+          <pc:sldMk cId="1786516379" sldId="282"/>
+        </pc:sldMkLst>
+        <pc:spChg chg="mod">
+          <ac:chgData name="Ziqing Yu" userId="76dbd0bb75f3aa62" providerId="LiveId" clId="{FC4BED8D-B233-477F-A57F-A8E1C0AD9783}" dt="2022-12-19T18:40:45.763" v="119"/>
+          <ac:spMkLst>
+            <pc:docMk/>
+            <pc:sldMk cId="1786516379" sldId="282"/>
+            <ac:spMk id="2" creationId="{821B0956-20C8-3DE5-5CEE-9ED5A241CA5E}"/>
+          </ac:spMkLst>
+        </pc:spChg>
+        <pc:spChg chg="del">
+          <ac:chgData name="Ziqing Yu" userId="76dbd0bb75f3aa62" providerId="LiveId" clId="{FC4BED8D-B233-477F-A57F-A8E1C0AD9783}" dt="2022-12-19T18:41:30.803" v="120" actId="22"/>
+          <ac:spMkLst>
+            <pc:docMk/>
+            <pc:sldMk cId="1786516379" sldId="282"/>
+            <ac:spMk id="3" creationId="{1EB6144A-2629-0623-60CD-C3F92DFD608D}"/>
+          </ac:spMkLst>
+        </pc:spChg>
+        <pc:spChg chg="add mod">
+          <ac:chgData name="Ziqing Yu" userId="76dbd0bb75f3aa62" providerId="LiveId" clId="{FC4BED8D-B233-477F-A57F-A8E1C0AD9783}" dt="2022-12-19T18:43:26.305" v="236" actId="1076"/>
+          <ac:spMkLst>
+            <pc:docMk/>
+            <pc:sldMk cId="1786516379" sldId="282"/>
+            <ac:spMk id="7" creationId="{A81AB1ED-11CD-06CF-B216-EC9ED32707C5}"/>
+          </ac:spMkLst>
+        </pc:spChg>
+        <pc:picChg chg="add mod ord">
+          <ac:chgData name="Ziqing Yu" userId="76dbd0bb75f3aa62" providerId="LiveId" clId="{FC4BED8D-B233-477F-A57F-A8E1C0AD9783}" dt="2022-12-19T18:41:33.189" v="121" actId="1076"/>
+          <ac:picMkLst>
+            <pc:docMk/>
+            <pc:sldMk cId="1786516379" sldId="282"/>
+            <ac:picMk id="6" creationId="{B696A796-3186-D6E6-98D9-DDFF34EDAC59}"/>
+          </ac:picMkLst>
+        </pc:picChg>
+      </pc:sldChg>
+      <pc:sldChg chg="addSp delSp modSp new mod">
+        <pc:chgData name="Ziqing Yu" userId="76dbd0bb75f3aa62" providerId="LiveId" clId="{FC4BED8D-B233-477F-A57F-A8E1C0AD9783}" dt="2022-12-19T18:51:28.732" v="445" actId="1076"/>
+        <pc:sldMkLst>
+          <pc:docMk/>
+          <pc:sldMk cId="2771011848" sldId="283"/>
+        </pc:sldMkLst>
+        <pc:spChg chg="mod">
+          <ac:chgData name="Ziqing Yu" userId="76dbd0bb75f3aa62" providerId="LiveId" clId="{FC4BED8D-B233-477F-A57F-A8E1C0AD9783}" dt="2022-12-19T18:49:33.160" v="420" actId="20577"/>
+          <ac:spMkLst>
+            <pc:docMk/>
+            <pc:sldMk cId="2771011848" sldId="283"/>
+            <ac:spMk id="2" creationId="{0047B71E-91CC-353E-7ECE-F85E65727157}"/>
+          </ac:spMkLst>
+        </pc:spChg>
+        <pc:spChg chg="del">
+          <ac:chgData name="Ziqing Yu" userId="76dbd0bb75f3aa62" providerId="LiveId" clId="{FC4BED8D-B233-477F-A57F-A8E1C0AD9783}" dt="2022-12-19T18:44:36.448" v="238" actId="22"/>
+          <ac:spMkLst>
+            <pc:docMk/>
+            <pc:sldMk cId="2771011848" sldId="283"/>
+            <ac:spMk id="3" creationId="{45E9ACEE-AEA4-A4B6-AA6A-DBDD03A3658D}"/>
+          </ac:spMkLst>
+        </pc:spChg>
+        <pc:spChg chg="add del mod">
+          <ac:chgData name="Ziqing Yu" userId="76dbd0bb75f3aa62" providerId="LiveId" clId="{FC4BED8D-B233-477F-A57F-A8E1C0AD9783}" dt="2022-12-19T18:51:22.677" v="443" actId="478"/>
+          <ac:spMkLst>
+            <pc:docMk/>
+            <pc:sldMk cId="2771011848" sldId="283"/>
+            <ac:spMk id="7" creationId="{61B75FAD-E242-AA0F-B62A-245477B4C19B}"/>
+          </ac:spMkLst>
+        </pc:spChg>
+        <pc:spChg chg="add mod">
+          <ac:chgData name="Ziqing Yu" userId="76dbd0bb75f3aa62" providerId="LiveId" clId="{FC4BED8D-B233-477F-A57F-A8E1C0AD9783}" dt="2022-12-19T18:51:28.732" v="445" actId="1076"/>
+          <ac:spMkLst>
+            <pc:docMk/>
+            <pc:sldMk cId="2771011848" sldId="283"/>
+            <ac:spMk id="16" creationId="{8B19BADC-55F1-04E6-ADAF-A43776AF167A}"/>
+          </ac:spMkLst>
+        </pc:spChg>
+        <pc:picChg chg="add del mod ord">
+          <ac:chgData name="Ziqing Yu" userId="76dbd0bb75f3aa62" providerId="LiveId" clId="{FC4BED8D-B233-477F-A57F-A8E1C0AD9783}" dt="2022-12-19T18:45:11.172" v="241" actId="478"/>
+          <ac:picMkLst>
+            <pc:docMk/>
+            <pc:sldMk cId="2771011848" sldId="283"/>
+            <ac:picMk id="6" creationId="{4220259E-9201-6562-8DD7-4DA6D84D6F63}"/>
+          </ac:picMkLst>
+        </pc:picChg>
+        <pc:picChg chg="add mod">
+          <ac:chgData name="Ziqing Yu" userId="76dbd0bb75f3aa62" providerId="LiveId" clId="{FC4BED8D-B233-477F-A57F-A8E1C0AD9783}" dt="2022-12-19T18:47:07.818" v="254" actId="1076"/>
+          <ac:picMkLst>
+            <pc:docMk/>
+            <pc:sldMk cId="2771011848" sldId="283"/>
+            <ac:picMk id="9" creationId="{ECB0BFD2-7CE8-18FA-265B-A8468BB5E531}"/>
+          </ac:picMkLst>
+        </pc:picChg>
+        <pc:picChg chg="add mod">
+          <ac:chgData name="Ziqing Yu" userId="76dbd0bb75f3aa62" providerId="LiveId" clId="{FC4BED8D-B233-477F-A57F-A8E1C0AD9783}" dt="2022-12-19T18:47:09.058" v="255" actId="1076"/>
+          <ac:picMkLst>
+            <pc:docMk/>
+            <pc:sldMk cId="2771011848" sldId="283"/>
+            <ac:picMk id="11" creationId="{3E50172D-AC54-E1A2-71E2-BC1783C7DFE8}"/>
+          </ac:picMkLst>
+        </pc:picChg>
+        <pc:picChg chg="add del mod">
+          <ac:chgData name="Ziqing Yu" userId="76dbd0bb75f3aa62" providerId="LiveId" clId="{FC4BED8D-B233-477F-A57F-A8E1C0AD9783}" dt="2022-12-19T18:47:01.427" v="251" actId="21"/>
+          <ac:picMkLst>
+            <pc:docMk/>
+            <pc:sldMk cId="2771011848" sldId="283"/>
+            <ac:picMk id="13" creationId="{B6F8144E-3262-7F6E-AFC1-4AB4811DA8AE}"/>
+          </ac:picMkLst>
+        </pc:picChg>
+        <pc:cxnChg chg="add del">
+          <ac:chgData name="Ziqing Yu" userId="76dbd0bb75f3aa62" providerId="LiveId" clId="{FC4BED8D-B233-477F-A57F-A8E1C0AD9783}" dt="2022-12-19T18:47:33.003" v="259" actId="478"/>
+          <ac:cxnSpMkLst>
+            <pc:docMk/>
+            <pc:sldMk cId="2771011848" sldId="283"/>
+            <ac:cxnSpMk id="15" creationId="{7F0D4B7E-40A0-98A5-B990-462AD08BC653}"/>
+          </ac:cxnSpMkLst>
+        </pc:cxnChg>
+      </pc:sldChg>
+      <pc:sldChg chg="addSp delSp modSp new mod">
+        <pc:chgData name="Ziqing Yu" userId="76dbd0bb75f3aa62" providerId="LiveId" clId="{FC4BED8D-B233-477F-A57F-A8E1C0AD9783}" dt="2022-12-19T18:49:41.281" v="441" actId="20577"/>
+        <pc:sldMkLst>
+          <pc:docMk/>
+          <pc:sldMk cId="2065078002" sldId="284"/>
+        </pc:sldMkLst>
+        <pc:spChg chg="mod">
+          <ac:chgData name="Ziqing Yu" userId="76dbd0bb75f3aa62" providerId="LiveId" clId="{FC4BED8D-B233-477F-A57F-A8E1C0AD9783}" dt="2022-12-19T18:49:41.281" v="441" actId="20577"/>
+          <ac:spMkLst>
+            <pc:docMk/>
+            <pc:sldMk cId="2065078002" sldId="284"/>
+            <ac:spMk id="2" creationId="{6A586ABF-F840-AABE-5D10-B85EBEA6DC7A}"/>
+          </ac:spMkLst>
+        </pc:spChg>
+        <pc:spChg chg="del">
+          <ac:chgData name="Ziqing Yu" userId="76dbd0bb75f3aa62" providerId="LiveId" clId="{FC4BED8D-B233-477F-A57F-A8E1C0AD9783}" dt="2022-12-19T18:47:03.949" v="252"/>
+          <ac:spMkLst>
+            <pc:docMk/>
+            <pc:sldMk cId="2065078002" sldId="284"/>
+            <ac:spMk id="3" creationId="{CC25A22A-62C3-9CF4-3314-1B7DF4D1D2CF}"/>
+          </ac:spMkLst>
+        </pc:spChg>
+        <pc:spChg chg="add mod">
+          <ac:chgData name="Ziqing Yu" userId="76dbd0bb75f3aa62" providerId="LiveId" clId="{FC4BED8D-B233-477F-A57F-A8E1C0AD9783}" dt="2022-12-19T18:49:24.053" v="397" actId="1076"/>
+          <ac:spMkLst>
+            <pc:docMk/>
+            <pc:sldMk cId="2065078002" sldId="284"/>
+            <ac:spMk id="6" creationId="{E0A15B06-8743-A5D1-0393-C3CF4E10A3CE}"/>
+          </ac:spMkLst>
+        </pc:spChg>
+        <pc:picChg chg="add mod">
+          <ac:chgData name="Ziqing Yu" userId="76dbd0bb75f3aa62" providerId="LiveId" clId="{FC4BED8D-B233-477F-A57F-A8E1C0AD9783}" dt="2022-12-19T18:47:44.340" v="261" actId="1076"/>
+          <ac:picMkLst>
+            <pc:docMk/>
+            <pc:sldMk cId="2065078002" sldId="284"/>
+            <ac:picMk id="5" creationId="{AFB98BDE-B3D3-3C8F-D320-F154BA82C845}"/>
+          </ac:picMkLst>
+        </pc:picChg>
+      </pc:sldChg>
+      <pc:sldChg chg="addSp delSp modSp new mod">
+        <pc:chgData name="Ziqing Yu" userId="76dbd0bb75f3aa62" providerId="LiveId" clId="{FC4BED8D-B233-477F-A57F-A8E1C0AD9783}" dt="2022-12-19T18:54:51.175" v="571" actId="1076"/>
+        <pc:sldMkLst>
+          <pc:docMk/>
+          <pc:sldMk cId="3424530220" sldId="285"/>
+        </pc:sldMkLst>
+        <pc:spChg chg="mod">
+          <ac:chgData name="Ziqing Yu" userId="76dbd0bb75f3aa62" providerId="LiveId" clId="{FC4BED8D-B233-477F-A57F-A8E1C0AD9783}" dt="2022-12-19T18:51:57.281" v="470" actId="20577"/>
+          <ac:spMkLst>
+            <pc:docMk/>
+            <pc:sldMk cId="3424530220" sldId="285"/>
+            <ac:spMk id="2" creationId="{44802E07-74F6-2DE4-81FD-4DE6075E8D8A}"/>
+          </ac:spMkLst>
+        </pc:spChg>
+        <pc:spChg chg="del">
+          <ac:chgData name="Ziqing Yu" userId="76dbd0bb75f3aa62" providerId="LiveId" clId="{FC4BED8D-B233-477F-A57F-A8E1C0AD9783}" dt="2022-12-19T18:52:23.046" v="471" actId="22"/>
+          <ac:spMkLst>
+            <pc:docMk/>
+            <pc:sldMk cId="3424530220" sldId="285"/>
+            <ac:spMk id="3" creationId="{F755239E-907A-D20A-D56B-294E605B71D1}"/>
+          </ac:spMkLst>
+        </pc:spChg>
+        <pc:spChg chg="add mod">
+          <ac:chgData name="Ziqing Yu" userId="76dbd0bb75f3aa62" providerId="LiveId" clId="{FC4BED8D-B233-477F-A57F-A8E1C0AD9783}" dt="2022-12-19T18:54:51.175" v="571" actId="1076"/>
+          <ac:spMkLst>
+            <pc:docMk/>
+            <pc:sldMk cId="3424530220" sldId="285"/>
+            <ac:spMk id="7" creationId="{EC214FD1-58C4-AAEC-CE15-3B8AFAB97B02}"/>
+          </ac:spMkLst>
+        </pc:spChg>
+        <pc:picChg chg="add mod ord">
+          <ac:chgData name="Ziqing Yu" userId="76dbd0bb75f3aa62" providerId="LiveId" clId="{FC4BED8D-B233-477F-A57F-A8E1C0AD9783}" dt="2022-12-19T18:52:54.154" v="473" actId="1076"/>
+          <ac:picMkLst>
+            <pc:docMk/>
+            <pc:sldMk cId="3424530220" sldId="285"/>
+            <ac:picMk id="6" creationId="{AEBA9C27-AEB4-B709-4F4F-192A22186E6A}"/>
+          </ac:picMkLst>
+        </pc:picChg>
+      </pc:sldChg>
+      <pc:sldChg chg="addSp delSp modSp new mod">
+        <pc:chgData name="Ziqing Yu" userId="76dbd0bb75f3aa62" providerId="LiveId" clId="{FC4BED8D-B233-477F-A57F-A8E1C0AD9783}" dt="2022-12-19T19:09:46.387" v="1029" actId="20577"/>
+        <pc:sldMkLst>
+          <pc:docMk/>
+          <pc:sldMk cId="2826045881" sldId="286"/>
+        </pc:sldMkLst>
+        <pc:spChg chg="mod">
+          <ac:chgData name="Ziqing Yu" userId="76dbd0bb75f3aa62" providerId="LiveId" clId="{FC4BED8D-B233-477F-A57F-A8E1C0AD9783}" dt="2022-12-19T18:55:01.358" v="588" actId="20577"/>
+          <ac:spMkLst>
+            <pc:docMk/>
+            <pc:sldMk cId="2826045881" sldId="286"/>
+            <ac:spMk id="2" creationId="{32B4CAEF-5C55-F3E3-8C05-2CE23ACE6CDB}"/>
+          </ac:spMkLst>
+        </pc:spChg>
+        <pc:spChg chg="del">
+          <ac:chgData name="Ziqing Yu" userId="76dbd0bb75f3aa62" providerId="LiveId" clId="{FC4BED8D-B233-477F-A57F-A8E1C0AD9783}" dt="2022-12-19T18:55:20.873" v="589"/>
+          <ac:spMkLst>
+            <pc:docMk/>
+            <pc:sldMk cId="2826045881" sldId="286"/>
+            <ac:spMk id="3" creationId="{EB2E7518-E0C0-D53D-1B37-534CDE31B06A}"/>
+          </ac:spMkLst>
+        </pc:spChg>
+        <pc:spChg chg="add mod">
+          <ac:chgData name="Ziqing Yu" userId="76dbd0bb75f3aa62" providerId="LiveId" clId="{FC4BED8D-B233-477F-A57F-A8E1C0AD9783}" dt="2022-12-19T19:09:46.387" v="1029" actId="20577"/>
+          <ac:spMkLst>
+            <pc:docMk/>
+            <pc:sldMk cId="2826045881" sldId="286"/>
+            <ac:spMk id="7" creationId="{AE7B179F-1F9B-14DF-F492-E2250B01F2E9}"/>
+          </ac:spMkLst>
+        </pc:spChg>
+        <pc:picChg chg="add mod">
+          <ac:chgData name="Ziqing Yu" userId="76dbd0bb75f3aa62" providerId="LiveId" clId="{FC4BED8D-B233-477F-A57F-A8E1C0AD9783}" dt="2022-12-19T18:57:36.839" v="642" actId="1076"/>
+          <ac:picMkLst>
+            <pc:docMk/>
+            <pc:sldMk cId="2826045881" sldId="286"/>
+            <ac:picMk id="6" creationId="{CFF9C7AC-B073-794B-E934-DC1154F16D37}"/>
           </ac:picMkLst>
         </pc:picChg>
       </pc:sldChg>
@@ -5670,10 +6021,9 @@
           <a:lstStyle/>
           <a:p>
             <a:r>
-              <a:rPr lang="en-GB" altLang="en-US"/>
+              <a:rPr lang="en-GB" altLang="en-US" dirty="0"/>
               <a:t>Space Debris</a:t>
             </a:r>
-            <a:endParaRPr lang="en-GB" altLang="en-US" dirty="0"/>
           </a:p>
         </p:txBody>
       </p:sp>
@@ -5925,7 +6275,7 @@
             </a:pPr>
             <a:r>
               <a:rPr lang="de-DE" altLang="en-US" sz="1000" dirty="0"/>
-              <a:t>22. November 2022, Stuttgart</a:t>
+              <a:t>20. Dezember 2022, Stuttgart</a:t>
             </a:r>
           </a:p>
         </p:txBody>
@@ -6090,6 +6440,1302 @@
         </p:txBody>
       </p:sp>
     </p:spTree>
+  </p:cSld>
+  <p:clrMapOvr>
+    <a:masterClrMapping/>
+  </p:clrMapOvr>
+</p:sld>
+</file>
+
+<file path=ppt/slides/slide2.xml><?xml version="1.0" encoding="utf-8"?>
+<p:sld xmlns:a="http://schemas.openxmlformats.org/drawingml/2006/main" xmlns:r="http://schemas.openxmlformats.org/officeDocument/2006/relationships" xmlns:p="http://schemas.openxmlformats.org/presentationml/2006/main">
+  <p:cSld>
+    <p:spTree>
+      <p:nvGrpSpPr>
+        <p:cNvPr id="1" name=""/>
+        <p:cNvGrpSpPr/>
+        <p:nvPr/>
+      </p:nvGrpSpPr>
+      <p:grpSpPr>
+        <a:xfrm>
+          <a:off x="0" y="0"/>
+          <a:ext cx="0" cy="0"/>
+          <a:chOff x="0" y="0"/>
+          <a:chExt cx="0" cy="0"/>
+        </a:xfrm>
+      </p:grpSpPr>
+      <p:sp>
+        <p:nvSpPr>
+          <p:cNvPr id="2" name="Title 1">
+            <a:extLst>
+              <a:ext uri="{FF2B5EF4-FFF2-40B4-BE49-F238E27FC236}">
+                <a16:creationId xmlns:a16="http://schemas.microsoft.com/office/drawing/2014/main" id="{99B598F4-0BC5-F193-C374-5D147836B0CA}"/>
+              </a:ext>
+            </a:extLst>
+          </p:cNvPr>
+          <p:cNvSpPr>
+            <a:spLocks noGrp="1"/>
+          </p:cNvSpPr>
+          <p:nvPr>
+            <p:ph type="title"/>
+          </p:nvPr>
+        </p:nvSpPr>
+        <p:spPr/>
+        <p:txBody>
+          <a:bodyPr/>
+          <a:lstStyle/>
+          <a:p>
+            <a:r>
+              <a:rPr lang="en-US" altLang="zh-CN" dirty="0" err="1"/>
+              <a:t>Daten</a:t>
+            </a:r>
+            <a:r>
+              <a:rPr lang="en-US" altLang="zh-CN" dirty="0"/>
+              <a:t> </a:t>
+            </a:r>
+            <a:r>
+              <a:rPr lang="en-US" altLang="zh-CN" dirty="0" err="1"/>
+              <a:t>vorbereiten</a:t>
+            </a:r>
+            <a:endParaRPr lang="zh-CN" altLang="en-US" dirty="0"/>
+          </a:p>
+        </p:txBody>
+      </p:sp>
+      <p:pic>
+        <p:nvPicPr>
+          <p:cNvPr id="6" name="Content Placeholder 5" descr="Table&#10;&#10;Description automatically generated with low confidence">
+            <a:extLst>
+              <a:ext uri="{FF2B5EF4-FFF2-40B4-BE49-F238E27FC236}">
+                <a16:creationId xmlns:a16="http://schemas.microsoft.com/office/drawing/2014/main" id="{4A7D6174-9984-BF30-91EB-F3B8734A19CA}"/>
+              </a:ext>
+            </a:extLst>
+          </p:cNvPr>
+          <p:cNvPicPr>
+            <a:picLocks noGrp="1" noChangeAspect="1"/>
+          </p:cNvPicPr>
+          <p:nvPr>
+            <p:ph idx="1"/>
+          </p:nvPr>
+        </p:nvPicPr>
+        <p:blipFill>
+          <a:blip r:embed="rId2">
+            <a:extLst>
+              <a:ext uri="{28A0092B-C50C-407E-A947-70E740481C1C}">
+                <a14:useLocalDpi xmlns:a14="http://schemas.microsoft.com/office/drawing/2010/main" val="0"/>
+              </a:ext>
+            </a:extLst>
+          </a:blip>
+          <a:stretch>
+            <a:fillRect/>
+          </a:stretch>
+        </p:blipFill>
+        <p:spPr>
+          <a:xfrm>
+            <a:off x="1248312" y="1104900"/>
+            <a:ext cx="2181978" cy="4648200"/>
+          </a:xfrm>
+        </p:spPr>
+      </p:pic>
+      <p:sp>
+        <p:nvSpPr>
+          <p:cNvPr id="4" name="Slide Number Placeholder 3">
+            <a:extLst>
+              <a:ext uri="{FF2B5EF4-FFF2-40B4-BE49-F238E27FC236}">
+                <a16:creationId xmlns:a16="http://schemas.microsoft.com/office/drawing/2014/main" id="{1E73CE03-866F-6FE7-C131-7F12AC392131}"/>
+              </a:ext>
+            </a:extLst>
+          </p:cNvPr>
+          <p:cNvSpPr>
+            <a:spLocks noGrp="1"/>
+          </p:cNvSpPr>
+          <p:nvPr>
+            <p:ph type="sldNum" sz="quarter" idx="12"/>
+          </p:nvPr>
+        </p:nvSpPr>
+        <p:spPr/>
+        <p:txBody>
+          <a:bodyPr/>
+          <a:lstStyle/>
+          <a:p>
+            <a:pPr>
+              <a:defRPr/>
+            </a:pPr>
+            <a:fld id="{A26A0649-E50C-4844-BD05-C05B747519B9}" type="slidenum">
+              <a:rPr lang="de-DE" altLang="en-US" smtClean="0"/>
+              <a:pPr>
+                <a:defRPr/>
+              </a:pPr>
+              <a:t>2</a:t>
+            </a:fld>
+            <a:endParaRPr lang="de-DE" altLang="en-US"/>
+          </a:p>
+        </p:txBody>
+      </p:sp>
+      <p:pic>
+        <p:nvPicPr>
+          <p:cNvPr id="10" name="Picture 9">
+            <a:extLst>
+              <a:ext uri="{FF2B5EF4-FFF2-40B4-BE49-F238E27FC236}">
+                <a16:creationId xmlns:a16="http://schemas.microsoft.com/office/drawing/2014/main" id="{8B52FB9C-1F20-1CE3-0271-B968BC5DBDC4}"/>
+              </a:ext>
+            </a:extLst>
+          </p:cNvPr>
+          <p:cNvPicPr>
+            <a:picLocks noChangeAspect="1"/>
+          </p:cNvPicPr>
+          <p:nvPr/>
+        </p:nvPicPr>
+        <p:blipFill>
+          <a:blip r:embed="rId3"/>
+          <a:stretch>
+            <a:fillRect/>
+          </a:stretch>
+        </p:blipFill>
+        <p:spPr>
+          <a:xfrm>
+            <a:off x="6012161" y="980728"/>
+            <a:ext cx="1720448" cy="4772372"/>
+          </a:xfrm>
+          <a:prstGeom prst="rect">
+            <a:avLst/>
+          </a:prstGeom>
+        </p:spPr>
+      </p:pic>
+      <p:sp>
+        <p:nvSpPr>
+          <p:cNvPr id="13" name="Arrow: Right 12">
+            <a:extLst>
+              <a:ext uri="{FF2B5EF4-FFF2-40B4-BE49-F238E27FC236}">
+                <a16:creationId xmlns:a16="http://schemas.microsoft.com/office/drawing/2014/main" id="{2F55527B-F180-1A5A-F95D-2C40D70E5C47}"/>
+              </a:ext>
+            </a:extLst>
+          </p:cNvPr>
+          <p:cNvSpPr/>
+          <p:nvPr/>
+        </p:nvSpPr>
+        <p:spPr>
+          <a:xfrm>
+            <a:off x="3605507" y="3501008"/>
+            <a:ext cx="1318348" cy="72008"/>
+          </a:xfrm>
+          <a:prstGeom prst="rightArrow">
+            <a:avLst/>
+          </a:prstGeom>
+        </p:spPr>
+        <p:style>
+          <a:lnRef idx="2">
+            <a:schemeClr val="dk1">
+              <a:shade val="50000"/>
+            </a:schemeClr>
+          </a:lnRef>
+          <a:fillRef idx="1">
+            <a:schemeClr val="dk1"/>
+          </a:fillRef>
+          <a:effectRef idx="0">
+            <a:schemeClr val="dk1"/>
+          </a:effectRef>
+          <a:fontRef idx="minor">
+            <a:schemeClr val="lt1"/>
+          </a:fontRef>
+        </p:style>
+        <p:txBody>
+          <a:bodyPr rtlCol="0" anchor="ctr"/>
+          <a:lstStyle/>
+          <a:p>
+            <a:pPr algn="ctr"/>
+            <a:endParaRPr lang="zh-CN" altLang="en-US"/>
+          </a:p>
+        </p:txBody>
+      </p:sp>
+      <p:sp>
+        <p:nvSpPr>
+          <p:cNvPr id="14" name="TextBox 13">
+            <a:extLst>
+              <a:ext uri="{FF2B5EF4-FFF2-40B4-BE49-F238E27FC236}">
+                <a16:creationId xmlns:a16="http://schemas.microsoft.com/office/drawing/2014/main" id="{5E0CBC03-2F27-F2A7-C976-98342C5E33B9}"/>
+              </a:ext>
+            </a:extLst>
+          </p:cNvPr>
+          <p:cNvSpPr txBox="1"/>
+          <p:nvPr/>
+        </p:nvSpPr>
+        <p:spPr>
+          <a:xfrm>
+            <a:off x="827584" y="5993846"/>
+            <a:ext cx="4032448" cy="307777"/>
+          </a:xfrm>
+          <a:prstGeom prst="rect">
+            <a:avLst/>
+          </a:prstGeom>
+          <a:noFill/>
+        </p:spPr>
+        <p:txBody>
+          <a:bodyPr wrap="square" rtlCol="0">
+            <a:spAutoFit/>
+          </a:bodyPr>
+          <a:lstStyle/>
+          <a:p>
+            <a:r>
+              <a:rPr lang="en-US" altLang="zh-CN" sz="1400" dirty="0"/>
+              <a:t>Original von space-track</a:t>
+            </a:r>
+            <a:endParaRPr lang="zh-CN" altLang="en-US" sz="1400" dirty="0"/>
+          </a:p>
+        </p:txBody>
+      </p:sp>
+      <p:sp>
+        <p:nvSpPr>
+          <p:cNvPr id="15" name="TextBox 14">
+            <a:extLst>
+              <a:ext uri="{FF2B5EF4-FFF2-40B4-BE49-F238E27FC236}">
+                <a16:creationId xmlns:a16="http://schemas.microsoft.com/office/drawing/2014/main" id="{A2804164-F26D-CE45-15BA-FE6E310B247B}"/>
+              </a:ext>
+            </a:extLst>
+          </p:cNvPr>
+          <p:cNvSpPr txBox="1"/>
+          <p:nvPr/>
+        </p:nvSpPr>
+        <p:spPr>
+          <a:xfrm>
+            <a:off x="5489476" y="5993846"/>
+            <a:ext cx="4032448" cy="307777"/>
+          </a:xfrm>
+          <a:prstGeom prst="rect">
+            <a:avLst/>
+          </a:prstGeom>
+          <a:noFill/>
+        </p:spPr>
+        <p:txBody>
+          <a:bodyPr wrap="square" rtlCol="0">
+            <a:spAutoFit/>
+          </a:bodyPr>
+          <a:lstStyle/>
+          <a:p>
+            <a:r>
+              <a:rPr lang="en-US" altLang="zh-CN" sz="1400" dirty="0" err="1"/>
+              <a:t>Nachgearbeitete</a:t>
+            </a:r>
+            <a:r>
+              <a:rPr lang="en-US" altLang="zh-CN" sz="1400" dirty="0"/>
+              <a:t> csv </a:t>
+            </a:r>
+            <a:r>
+              <a:rPr lang="en-US" altLang="zh-CN" sz="1400" dirty="0" err="1"/>
+              <a:t>Datein</a:t>
+            </a:r>
+            <a:r>
+              <a:rPr lang="en-US" altLang="zh-CN" sz="1400" dirty="0"/>
+              <a:t> </a:t>
+            </a:r>
+            <a:endParaRPr lang="zh-CN" altLang="en-US" sz="1400" dirty="0"/>
+          </a:p>
+        </p:txBody>
+      </p:sp>
+    </p:spTree>
+    <p:extLst>
+      <p:ext uri="{BB962C8B-B14F-4D97-AF65-F5344CB8AC3E}">
+        <p14:creationId xmlns:p14="http://schemas.microsoft.com/office/powerpoint/2010/main" val="1323924032"/>
+      </p:ext>
+    </p:extLst>
+  </p:cSld>
+  <p:clrMapOvr>
+    <a:masterClrMapping/>
+  </p:clrMapOvr>
+</p:sld>
+</file>
+
+<file path=ppt/slides/slide3.xml><?xml version="1.0" encoding="utf-8"?>
+<p:sld xmlns:a="http://schemas.openxmlformats.org/drawingml/2006/main" xmlns:r="http://schemas.openxmlformats.org/officeDocument/2006/relationships" xmlns:p="http://schemas.openxmlformats.org/presentationml/2006/main">
+  <p:cSld>
+    <p:spTree>
+      <p:nvGrpSpPr>
+        <p:cNvPr id="1" name=""/>
+        <p:cNvGrpSpPr/>
+        <p:nvPr/>
+      </p:nvGrpSpPr>
+      <p:grpSpPr>
+        <a:xfrm>
+          <a:off x="0" y="0"/>
+          <a:ext cx="0" cy="0"/>
+          <a:chOff x="0" y="0"/>
+          <a:chExt cx="0" cy="0"/>
+        </a:xfrm>
+      </p:grpSpPr>
+      <p:sp>
+        <p:nvSpPr>
+          <p:cNvPr id="2" name="Title 1">
+            <a:extLst>
+              <a:ext uri="{FF2B5EF4-FFF2-40B4-BE49-F238E27FC236}">
+                <a16:creationId xmlns:a16="http://schemas.microsoft.com/office/drawing/2014/main" id="{821B0956-20C8-3DE5-5CEE-9ED5A241CA5E}"/>
+              </a:ext>
+            </a:extLst>
+          </p:cNvPr>
+          <p:cNvSpPr>
+            <a:spLocks noGrp="1"/>
+          </p:cNvSpPr>
+          <p:nvPr>
+            <p:ph type="title"/>
+          </p:nvPr>
+        </p:nvSpPr>
+        <p:spPr/>
+        <p:txBody>
+          <a:bodyPr/>
+          <a:lstStyle/>
+          <a:p>
+            <a:r>
+              <a:rPr lang="en-US" altLang="zh-CN" dirty="0" err="1"/>
+              <a:t>Daten</a:t>
+            </a:r>
+            <a:r>
+              <a:rPr lang="en-US" altLang="zh-CN" dirty="0"/>
+              <a:t> </a:t>
+            </a:r>
+            <a:r>
+              <a:rPr lang="en-US" altLang="zh-CN" dirty="0" err="1"/>
+              <a:t>vorbereiten</a:t>
+            </a:r>
+            <a:endParaRPr lang="zh-CN" altLang="en-US" dirty="0"/>
+          </a:p>
+        </p:txBody>
+      </p:sp>
+      <p:pic>
+        <p:nvPicPr>
+          <p:cNvPr id="6" name="Content Placeholder 5">
+            <a:extLst>
+              <a:ext uri="{FF2B5EF4-FFF2-40B4-BE49-F238E27FC236}">
+                <a16:creationId xmlns:a16="http://schemas.microsoft.com/office/drawing/2014/main" id="{B696A796-3186-D6E6-98D9-DDFF34EDAC59}"/>
+              </a:ext>
+            </a:extLst>
+          </p:cNvPr>
+          <p:cNvPicPr>
+            <a:picLocks noGrp="1" noChangeAspect="1"/>
+          </p:cNvPicPr>
+          <p:nvPr>
+            <p:ph idx="1"/>
+          </p:nvPr>
+        </p:nvPicPr>
+        <p:blipFill>
+          <a:blip r:embed="rId2"/>
+          <a:stretch>
+            <a:fillRect/>
+          </a:stretch>
+        </p:blipFill>
+        <p:spPr>
+          <a:xfrm>
+            <a:off x="685800" y="1268760"/>
+            <a:ext cx="4503210" cy="4648200"/>
+          </a:xfrm>
+        </p:spPr>
+      </p:pic>
+      <p:sp>
+        <p:nvSpPr>
+          <p:cNvPr id="4" name="Slide Number Placeholder 3">
+            <a:extLst>
+              <a:ext uri="{FF2B5EF4-FFF2-40B4-BE49-F238E27FC236}">
+                <a16:creationId xmlns:a16="http://schemas.microsoft.com/office/drawing/2014/main" id="{6F436DFC-EB44-2C64-91B8-4B1F04AA01CA}"/>
+              </a:ext>
+            </a:extLst>
+          </p:cNvPr>
+          <p:cNvSpPr>
+            <a:spLocks noGrp="1"/>
+          </p:cNvSpPr>
+          <p:nvPr>
+            <p:ph type="sldNum" sz="quarter" idx="12"/>
+          </p:nvPr>
+        </p:nvSpPr>
+        <p:spPr/>
+        <p:txBody>
+          <a:bodyPr/>
+          <a:lstStyle/>
+          <a:p>
+            <a:pPr>
+              <a:defRPr/>
+            </a:pPr>
+            <a:fld id="{A26A0649-E50C-4844-BD05-C05B747519B9}" type="slidenum">
+              <a:rPr lang="de-DE" altLang="en-US" smtClean="0"/>
+              <a:pPr>
+                <a:defRPr/>
+              </a:pPr>
+              <a:t>3</a:t>
+            </a:fld>
+            <a:endParaRPr lang="de-DE" altLang="en-US"/>
+          </a:p>
+        </p:txBody>
+      </p:sp>
+      <p:sp>
+        <p:nvSpPr>
+          <p:cNvPr id="7" name="TextBox 6">
+            <a:extLst>
+              <a:ext uri="{FF2B5EF4-FFF2-40B4-BE49-F238E27FC236}">
+                <a16:creationId xmlns:a16="http://schemas.microsoft.com/office/drawing/2014/main" id="{A81AB1ED-11CD-06CF-B216-EC9ED32707C5}"/>
+              </a:ext>
+            </a:extLst>
+          </p:cNvPr>
+          <p:cNvSpPr txBox="1"/>
+          <p:nvPr/>
+        </p:nvSpPr>
+        <p:spPr>
+          <a:xfrm>
+            <a:off x="5364088" y="2378637"/>
+            <a:ext cx="3705440" cy="2246769"/>
+          </a:xfrm>
+          <a:prstGeom prst="rect">
+            <a:avLst/>
+          </a:prstGeom>
+          <a:noFill/>
+        </p:spPr>
+        <p:txBody>
+          <a:bodyPr wrap="square" rtlCol="0">
+            <a:spAutoFit/>
+          </a:bodyPr>
+          <a:lstStyle/>
+          <a:p>
+            <a:r>
+              <a:rPr lang="en-US" altLang="zh-CN" sz="2000" dirty="0"/>
+              <a:t>csv Format</a:t>
+            </a:r>
+          </a:p>
+          <a:p>
+            <a:endParaRPr lang="en-US" altLang="zh-CN" sz="2000" dirty="0"/>
+          </a:p>
+          <a:p>
+            <a:r>
+              <a:rPr lang="en-US" altLang="zh-CN" sz="2000" dirty="0"/>
+              <a:t>1. Zeit </a:t>
+            </a:r>
+            <a:r>
+              <a:rPr lang="en-US" altLang="zh-CN" sz="2000" dirty="0" err="1"/>
+              <a:t>wird</a:t>
+            </a:r>
+            <a:r>
+              <a:rPr lang="en-US" altLang="zh-CN" sz="2000" dirty="0"/>
+              <a:t> in </a:t>
+            </a:r>
+            <a:r>
+              <a:rPr lang="en-US" altLang="zh-CN" sz="2000" dirty="0" err="1"/>
+              <a:t>Unixtime</a:t>
+            </a:r>
+            <a:r>
+              <a:rPr lang="en-US" altLang="zh-CN" sz="2000" dirty="0"/>
+              <a:t> </a:t>
+            </a:r>
+            <a:r>
+              <a:rPr lang="en-US" altLang="zh-CN" sz="2000" dirty="0" err="1"/>
+              <a:t>transportiert</a:t>
+            </a:r>
+            <a:endParaRPr lang="en-US" altLang="zh-CN" sz="2000" dirty="0"/>
+          </a:p>
+          <a:p>
+            <a:endParaRPr lang="en-US" altLang="zh-CN" sz="2000" dirty="0"/>
+          </a:p>
+          <a:p>
+            <a:r>
+              <a:rPr lang="en-US" altLang="zh-CN" sz="2000" dirty="0"/>
+              <a:t>2. </a:t>
+            </a:r>
+            <a:r>
+              <a:rPr lang="en-US" altLang="zh-CN" sz="2000" dirty="0" err="1"/>
+              <a:t>Andere</a:t>
+            </a:r>
+            <a:r>
+              <a:rPr lang="en-US" altLang="zh-CN" sz="2000" dirty="0"/>
+              <a:t> </a:t>
+            </a:r>
+            <a:r>
+              <a:rPr lang="en-US" altLang="zh-CN" sz="2000" dirty="0" err="1"/>
+              <a:t>Daten</a:t>
+            </a:r>
+            <a:r>
+              <a:rPr lang="en-US" altLang="zh-CN" sz="2000" dirty="0"/>
+              <a:t> von TLE direct </a:t>
+            </a:r>
+            <a:r>
+              <a:rPr lang="en-US" altLang="zh-CN" sz="2000" dirty="0" err="1"/>
+              <a:t>extrahiert</a:t>
+            </a:r>
+            <a:endParaRPr lang="zh-CN" altLang="en-US" sz="2000" dirty="0"/>
+          </a:p>
+        </p:txBody>
+      </p:sp>
+    </p:spTree>
+    <p:extLst>
+      <p:ext uri="{BB962C8B-B14F-4D97-AF65-F5344CB8AC3E}">
+        <p14:creationId xmlns:p14="http://schemas.microsoft.com/office/powerpoint/2010/main" val="1786516379"/>
+      </p:ext>
+    </p:extLst>
+  </p:cSld>
+  <p:clrMapOvr>
+    <a:masterClrMapping/>
+  </p:clrMapOvr>
+</p:sld>
+</file>
+
+<file path=ppt/slides/slide4.xml><?xml version="1.0" encoding="utf-8"?>
+<p:sld xmlns:a="http://schemas.openxmlformats.org/drawingml/2006/main" xmlns:r="http://schemas.openxmlformats.org/officeDocument/2006/relationships" xmlns:p="http://schemas.openxmlformats.org/presentationml/2006/main">
+  <p:cSld>
+    <p:spTree>
+      <p:nvGrpSpPr>
+        <p:cNvPr id="1" name=""/>
+        <p:cNvGrpSpPr/>
+        <p:nvPr/>
+      </p:nvGrpSpPr>
+      <p:grpSpPr>
+        <a:xfrm>
+          <a:off x="0" y="0"/>
+          <a:ext cx="0" cy="0"/>
+          <a:chOff x="0" y="0"/>
+          <a:chExt cx="0" cy="0"/>
+        </a:xfrm>
+      </p:grpSpPr>
+      <p:sp>
+        <p:nvSpPr>
+          <p:cNvPr id="2" name="Title 1">
+            <a:extLst>
+              <a:ext uri="{FF2B5EF4-FFF2-40B4-BE49-F238E27FC236}">
+                <a16:creationId xmlns:a16="http://schemas.microsoft.com/office/drawing/2014/main" id="{0047B71E-91CC-353E-7ECE-F85E65727157}"/>
+              </a:ext>
+            </a:extLst>
+          </p:cNvPr>
+          <p:cNvSpPr>
+            <a:spLocks noGrp="1"/>
+          </p:cNvSpPr>
+          <p:nvPr>
+            <p:ph type="title"/>
+          </p:nvPr>
+        </p:nvSpPr>
+        <p:spPr/>
+        <p:txBody>
+          <a:bodyPr/>
+          <a:lstStyle/>
+          <a:p>
+            <a:r>
+              <a:rPr lang="de-DE" altLang="zh-CN" dirty="0"/>
+              <a:t>Daten vorbereiten</a:t>
+            </a:r>
+            <a:endParaRPr lang="zh-CN" altLang="en-US" dirty="0"/>
+          </a:p>
+        </p:txBody>
+      </p:sp>
+      <p:sp>
+        <p:nvSpPr>
+          <p:cNvPr id="4" name="Slide Number Placeholder 3">
+            <a:extLst>
+              <a:ext uri="{FF2B5EF4-FFF2-40B4-BE49-F238E27FC236}">
+                <a16:creationId xmlns:a16="http://schemas.microsoft.com/office/drawing/2014/main" id="{D34EF8BF-D100-09EF-578F-7316C9F99032}"/>
+              </a:ext>
+            </a:extLst>
+          </p:cNvPr>
+          <p:cNvSpPr>
+            <a:spLocks noGrp="1"/>
+          </p:cNvSpPr>
+          <p:nvPr>
+            <p:ph type="sldNum" sz="quarter" idx="12"/>
+          </p:nvPr>
+        </p:nvSpPr>
+        <p:spPr/>
+        <p:txBody>
+          <a:bodyPr/>
+          <a:lstStyle/>
+          <a:p>
+            <a:pPr>
+              <a:defRPr/>
+            </a:pPr>
+            <a:fld id="{A26A0649-E50C-4844-BD05-C05B747519B9}" type="slidenum">
+              <a:rPr lang="de-DE" altLang="en-US" smtClean="0"/>
+              <a:pPr>
+                <a:defRPr/>
+              </a:pPr>
+              <a:t>4</a:t>
+            </a:fld>
+            <a:endParaRPr lang="de-DE" altLang="en-US"/>
+          </a:p>
+        </p:txBody>
+      </p:sp>
+      <p:pic>
+        <p:nvPicPr>
+          <p:cNvPr id="9" name="Picture 8">
+            <a:extLst>
+              <a:ext uri="{FF2B5EF4-FFF2-40B4-BE49-F238E27FC236}">
+                <a16:creationId xmlns:a16="http://schemas.microsoft.com/office/drawing/2014/main" id="{ECB0BFD2-7CE8-18FA-265B-A8468BB5E531}"/>
+              </a:ext>
+            </a:extLst>
+          </p:cNvPr>
+          <p:cNvPicPr>
+            <a:picLocks noChangeAspect="1"/>
+          </p:cNvPicPr>
+          <p:nvPr/>
+        </p:nvPicPr>
+        <p:blipFill>
+          <a:blip r:embed="rId2"/>
+          <a:stretch>
+            <a:fillRect/>
+          </a:stretch>
+        </p:blipFill>
+        <p:spPr>
+          <a:xfrm>
+            <a:off x="1259632" y="990600"/>
+            <a:ext cx="1792117" cy="5231275"/>
+          </a:xfrm>
+          <a:prstGeom prst="rect">
+            <a:avLst/>
+          </a:prstGeom>
+        </p:spPr>
+      </p:pic>
+      <p:pic>
+        <p:nvPicPr>
+          <p:cNvPr id="11" name="Picture 10">
+            <a:extLst>
+              <a:ext uri="{FF2B5EF4-FFF2-40B4-BE49-F238E27FC236}">
+                <a16:creationId xmlns:a16="http://schemas.microsoft.com/office/drawing/2014/main" id="{3E50172D-AC54-E1A2-71E2-BC1783C7DFE8}"/>
+              </a:ext>
+            </a:extLst>
+          </p:cNvPr>
+          <p:cNvPicPr>
+            <a:picLocks noChangeAspect="1"/>
+          </p:cNvPicPr>
+          <p:nvPr/>
+        </p:nvPicPr>
+        <p:blipFill>
+          <a:blip r:embed="rId3"/>
+          <a:stretch>
+            <a:fillRect/>
+          </a:stretch>
+        </p:blipFill>
+        <p:spPr>
+          <a:xfrm>
+            <a:off x="5310187" y="990600"/>
+            <a:ext cx="2486025" cy="5219700"/>
+          </a:xfrm>
+          <a:prstGeom prst="rect">
+            <a:avLst/>
+          </a:prstGeom>
+        </p:spPr>
+      </p:pic>
+      <p:sp>
+        <p:nvSpPr>
+          <p:cNvPr id="16" name="Arrow: Right 15">
+            <a:extLst>
+              <a:ext uri="{FF2B5EF4-FFF2-40B4-BE49-F238E27FC236}">
+                <a16:creationId xmlns:a16="http://schemas.microsoft.com/office/drawing/2014/main" id="{8B19BADC-55F1-04E6-ADAF-A43776AF167A}"/>
+              </a:ext>
+            </a:extLst>
+          </p:cNvPr>
+          <p:cNvSpPr/>
+          <p:nvPr/>
+        </p:nvSpPr>
+        <p:spPr>
+          <a:xfrm>
+            <a:off x="3388880" y="3392996"/>
+            <a:ext cx="1584176" cy="72008"/>
+          </a:xfrm>
+          <a:prstGeom prst="rightArrow">
+            <a:avLst/>
+          </a:prstGeom>
+        </p:spPr>
+        <p:style>
+          <a:lnRef idx="2">
+            <a:schemeClr val="dk1">
+              <a:shade val="50000"/>
+            </a:schemeClr>
+          </a:lnRef>
+          <a:fillRef idx="1">
+            <a:schemeClr val="dk1"/>
+          </a:fillRef>
+          <a:effectRef idx="0">
+            <a:schemeClr val="dk1"/>
+          </a:effectRef>
+          <a:fontRef idx="minor">
+            <a:schemeClr val="lt1"/>
+          </a:fontRef>
+        </p:style>
+        <p:txBody>
+          <a:bodyPr rtlCol="0" anchor="ctr"/>
+          <a:lstStyle/>
+          <a:p>
+            <a:pPr algn="ctr"/>
+            <a:endParaRPr lang="zh-CN" altLang="en-US"/>
+          </a:p>
+        </p:txBody>
+      </p:sp>
+    </p:spTree>
+    <p:extLst>
+      <p:ext uri="{BB962C8B-B14F-4D97-AF65-F5344CB8AC3E}">
+        <p14:creationId xmlns:p14="http://schemas.microsoft.com/office/powerpoint/2010/main" val="2771011848"/>
+      </p:ext>
+    </p:extLst>
+  </p:cSld>
+  <p:clrMapOvr>
+    <a:masterClrMapping/>
+  </p:clrMapOvr>
+</p:sld>
+</file>
+
+<file path=ppt/slides/slide5.xml><?xml version="1.0" encoding="utf-8"?>
+<p:sld xmlns:a="http://schemas.openxmlformats.org/drawingml/2006/main" xmlns:r="http://schemas.openxmlformats.org/officeDocument/2006/relationships" xmlns:p="http://schemas.openxmlformats.org/presentationml/2006/main">
+  <p:cSld>
+    <p:spTree>
+      <p:nvGrpSpPr>
+        <p:cNvPr id="1" name=""/>
+        <p:cNvGrpSpPr/>
+        <p:nvPr/>
+      </p:nvGrpSpPr>
+      <p:grpSpPr>
+        <a:xfrm>
+          <a:off x="0" y="0"/>
+          <a:ext cx="0" cy="0"/>
+          <a:chOff x="0" y="0"/>
+          <a:chExt cx="0" cy="0"/>
+        </a:xfrm>
+      </p:grpSpPr>
+      <p:sp>
+        <p:nvSpPr>
+          <p:cNvPr id="2" name="Title 1">
+            <a:extLst>
+              <a:ext uri="{FF2B5EF4-FFF2-40B4-BE49-F238E27FC236}">
+                <a16:creationId xmlns:a16="http://schemas.microsoft.com/office/drawing/2014/main" id="{6A586ABF-F840-AABE-5D10-B85EBEA6DC7A}"/>
+              </a:ext>
+            </a:extLst>
+          </p:cNvPr>
+          <p:cNvSpPr>
+            <a:spLocks noGrp="1"/>
+          </p:cNvSpPr>
+          <p:nvPr>
+            <p:ph type="title"/>
+          </p:nvPr>
+        </p:nvSpPr>
+        <p:spPr/>
+        <p:txBody>
+          <a:bodyPr/>
+          <a:lstStyle/>
+          <a:p>
+            <a:r>
+              <a:rPr lang="de-DE" altLang="zh-CN" dirty="0"/>
+              <a:t>Daten vorbereiten</a:t>
+            </a:r>
+            <a:endParaRPr lang="zh-CN" altLang="en-US" dirty="0"/>
+          </a:p>
+        </p:txBody>
+      </p:sp>
+      <p:sp>
+        <p:nvSpPr>
+          <p:cNvPr id="4" name="Slide Number Placeholder 3">
+            <a:extLst>
+              <a:ext uri="{FF2B5EF4-FFF2-40B4-BE49-F238E27FC236}">
+                <a16:creationId xmlns:a16="http://schemas.microsoft.com/office/drawing/2014/main" id="{FB610B2C-2234-FD70-6420-18799AB3FDE0}"/>
+              </a:ext>
+            </a:extLst>
+          </p:cNvPr>
+          <p:cNvSpPr>
+            <a:spLocks noGrp="1"/>
+          </p:cNvSpPr>
+          <p:nvPr>
+            <p:ph type="sldNum" sz="quarter" idx="12"/>
+          </p:nvPr>
+        </p:nvSpPr>
+        <p:spPr/>
+        <p:txBody>
+          <a:bodyPr/>
+          <a:lstStyle/>
+          <a:p>
+            <a:pPr>
+              <a:defRPr/>
+            </a:pPr>
+            <a:fld id="{A26A0649-E50C-4844-BD05-C05B747519B9}" type="slidenum">
+              <a:rPr lang="de-DE" altLang="en-US" smtClean="0"/>
+              <a:pPr>
+                <a:defRPr/>
+              </a:pPr>
+              <a:t>5</a:t>
+            </a:fld>
+            <a:endParaRPr lang="de-DE" altLang="en-US"/>
+          </a:p>
+        </p:txBody>
+      </p:sp>
+      <p:pic>
+        <p:nvPicPr>
+          <p:cNvPr id="5" name="Content Placeholder 4">
+            <a:extLst>
+              <a:ext uri="{FF2B5EF4-FFF2-40B4-BE49-F238E27FC236}">
+                <a16:creationId xmlns:a16="http://schemas.microsoft.com/office/drawing/2014/main" id="{AFB98BDE-B3D3-3C8F-D320-F154BA82C845}"/>
+              </a:ext>
+            </a:extLst>
+          </p:cNvPr>
+          <p:cNvPicPr>
+            <a:picLocks noGrp="1" noChangeAspect="1"/>
+          </p:cNvPicPr>
+          <p:nvPr>
+            <p:ph idx="1"/>
+          </p:nvPr>
+        </p:nvPicPr>
+        <p:blipFill>
+          <a:blip r:embed="rId2"/>
+          <a:stretch>
+            <a:fillRect/>
+          </a:stretch>
+        </p:blipFill>
+        <p:spPr>
+          <a:xfrm>
+            <a:off x="685800" y="1124744"/>
+            <a:ext cx="7772400" cy="2981517"/>
+          </a:xfrm>
+          <a:prstGeom prst="rect">
+            <a:avLst/>
+          </a:prstGeom>
+        </p:spPr>
+      </p:pic>
+      <p:sp>
+        <p:nvSpPr>
+          <p:cNvPr id="6" name="TextBox 5">
+            <a:extLst>
+              <a:ext uri="{FF2B5EF4-FFF2-40B4-BE49-F238E27FC236}">
+                <a16:creationId xmlns:a16="http://schemas.microsoft.com/office/drawing/2014/main" id="{E0A15B06-8743-A5D1-0393-C3CF4E10A3CE}"/>
+              </a:ext>
+            </a:extLst>
+          </p:cNvPr>
+          <p:cNvSpPr txBox="1"/>
+          <p:nvPr/>
+        </p:nvSpPr>
+        <p:spPr>
+          <a:xfrm>
+            <a:off x="827584" y="4653136"/>
+            <a:ext cx="6845785" cy="830997"/>
+          </a:xfrm>
+          <a:prstGeom prst="rect">
+            <a:avLst/>
+          </a:prstGeom>
+          <a:noFill/>
+        </p:spPr>
+        <p:txBody>
+          <a:bodyPr wrap="none" rtlCol="0">
+            <a:spAutoFit/>
+          </a:bodyPr>
+          <a:lstStyle/>
+          <a:p>
+            <a:r>
+              <a:rPr lang="en-US" altLang="zh-CN" sz="2400" dirty="0"/>
+              <a:t>1. Zeit in </a:t>
+            </a:r>
+            <a:r>
+              <a:rPr lang="en-US" altLang="zh-CN" sz="2400" dirty="0" err="1"/>
+              <a:t>matlab</a:t>
+            </a:r>
+            <a:r>
+              <a:rPr lang="en-US" altLang="zh-CN" sz="2400" dirty="0"/>
+              <a:t> datetime </a:t>
+            </a:r>
+            <a:r>
+              <a:rPr lang="en-US" altLang="zh-CN" sz="2400" dirty="0" err="1"/>
+              <a:t>transformiert</a:t>
+            </a:r>
+            <a:endParaRPr lang="en-US" altLang="zh-CN" sz="2400" dirty="0"/>
+          </a:p>
+          <a:p>
+            <a:r>
+              <a:rPr lang="en-US" altLang="zh-CN" sz="2400" dirty="0"/>
+              <a:t>2. </a:t>
+            </a:r>
+            <a:r>
+              <a:rPr lang="en-US" altLang="zh-CN" sz="2400" dirty="0" err="1"/>
+              <a:t>Halbeachse</a:t>
+            </a:r>
+            <a:r>
+              <a:rPr lang="en-US" altLang="zh-CN" sz="2400" dirty="0"/>
+              <a:t>, Apo</a:t>
+            </a:r>
+            <a:r>
+              <a:rPr lang="de-DE" altLang="zh-CN" sz="2400" dirty="0" err="1"/>
+              <a:t>gäum</a:t>
+            </a:r>
+            <a:r>
+              <a:rPr lang="de-DE" altLang="zh-CN" sz="2400" dirty="0"/>
+              <a:t>, Perigäum werden berechnet</a:t>
+            </a:r>
+            <a:endParaRPr lang="zh-CN" altLang="en-US" sz="2400" dirty="0"/>
+          </a:p>
+        </p:txBody>
+      </p:sp>
+    </p:spTree>
+    <p:extLst>
+      <p:ext uri="{BB962C8B-B14F-4D97-AF65-F5344CB8AC3E}">
+        <p14:creationId xmlns:p14="http://schemas.microsoft.com/office/powerpoint/2010/main" val="2065078002"/>
+      </p:ext>
+    </p:extLst>
+  </p:cSld>
+  <p:clrMapOvr>
+    <a:masterClrMapping/>
+  </p:clrMapOvr>
+</p:sld>
+</file>
+
+<file path=ppt/slides/slide6.xml><?xml version="1.0" encoding="utf-8"?>
+<p:sld xmlns:a="http://schemas.openxmlformats.org/drawingml/2006/main" xmlns:r="http://schemas.openxmlformats.org/officeDocument/2006/relationships" xmlns:p="http://schemas.openxmlformats.org/presentationml/2006/main">
+  <p:cSld>
+    <p:spTree>
+      <p:nvGrpSpPr>
+        <p:cNvPr id="1" name=""/>
+        <p:cNvGrpSpPr/>
+        <p:nvPr/>
+      </p:nvGrpSpPr>
+      <p:grpSpPr>
+        <a:xfrm>
+          <a:off x="0" y="0"/>
+          <a:ext cx="0" cy="0"/>
+          <a:chOff x="0" y="0"/>
+          <a:chExt cx="0" cy="0"/>
+        </a:xfrm>
+      </p:grpSpPr>
+      <p:sp>
+        <p:nvSpPr>
+          <p:cNvPr id="2" name="Title 1">
+            <a:extLst>
+              <a:ext uri="{FF2B5EF4-FFF2-40B4-BE49-F238E27FC236}">
+                <a16:creationId xmlns:a16="http://schemas.microsoft.com/office/drawing/2014/main" id="{44802E07-74F6-2DE4-81FD-4DE6075E8D8A}"/>
+              </a:ext>
+            </a:extLst>
+          </p:cNvPr>
+          <p:cNvSpPr>
+            <a:spLocks noGrp="1"/>
+          </p:cNvSpPr>
+          <p:nvPr>
+            <p:ph type="title"/>
+          </p:nvPr>
+        </p:nvSpPr>
+        <p:spPr/>
+        <p:txBody>
+          <a:bodyPr/>
+          <a:lstStyle/>
+          <a:p>
+            <a:r>
+              <a:rPr lang="de-DE" altLang="zh-CN" dirty="0"/>
+              <a:t>Daten vorbereiten</a:t>
+            </a:r>
+            <a:endParaRPr lang="zh-CN" altLang="en-US" dirty="0"/>
+          </a:p>
+        </p:txBody>
+      </p:sp>
+      <p:pic>
+        <p:nvPicPr>
+          <p:cNvPr id="6" name="Content Placeholder 5">
+            <a:extLst>
+              <a:ext uri="{FF2B5EF4-FFF2-40B4-BE49-F238E27FC236}">
+                <a16:creationId xmlns:a16="http://schemas.microsoft.com/office/drawing/2014/main" id="{AEBA9C27-AEB4-B709-4F4F-192A22186E6A}"/>
+              </a:ext>
+            </a:extLst>
+          </p:cNvPr>
+          <p:cNvPicPr>
+            <a:picLocks noGrp="1" noChangeAspect="1"/>
+          </p:cNvPicPr>
+          <p:nvPr>
+            <p:ph idx="1"/>
+          </p:nvPr>
+        </p:nvPicPr>
+        <p:blipFill>
+          <a:blip r:embed="rId2"/>
+          <a:stretch>
+            <a:fillRect/>
+          </a:stretch>
+        </p:blipFill>
+        <p:spPr>
+          <a:xfrm>
+            <a:off x="1115616" y="1154874"/>
+            <a:ext cx="1931515" cy="4648200"/>
+          </a:xfrm>
+        </p:spPr>
+      </p:pic>
+      <p:sp>
+        <p:nvSpPr>
+          <p:cNvPr id="4" name="Slide Number Placeholder 3">
+            <a:extLst>
+              <a:ext uri="{FF2B5EF4-FFF2-40B4-BE49-F238E27FC236}">
+                <a16:creationId xmlns:a16="http://schemas.microsoft.com/office/drawing/2014/main" id="{55038883-01E1-B0C9-2F84-5CD2CA2B8F3A}"/>
+              </a:ext>
+            </a:extLst>
+          </p:cNvPr>
+          <p:cNvSpPr>
+            <a:spLocks noGrp="1"/>
+          </p:cNvSpPr>
+          <p:nvPr>
+            <p:ph type="sldNum" sz="quarter" idx="12"/>
+          </p:nvPr>
+        </p:nvSpPr>
+        <p:spPr/>
+        <p:txBody>
+          <a:bodyPr/>
+          <a:lstStyle/>
+          <a:p>
+            <a:pPr>
+              <a:defRPr/>
+            </a:pPr>
+            <a:fld id="{A26A0649-E50C-4844-BD05-C05B747519B9}" type="slidenum">
+              <a:rPr lang="de-DE" altLang="en-US" smtClean="0"/>
+              <a:pPr>
+                <a:defRPr/>
+              </a:pPr>
+              <a:t>6</a:t>
+            </a:fld>
+            <a:endParaRPr lang="de-DE" altLang="en-US"/>
+          </a:p>
+        </p:txBody>
+      </p:sp>
+      <p:sp>
+        <p:nvSpPr>
+          <p:cNvPr id="7" name="TextBox 6">
+            <a:extLst>
+              <a:ext uri="{FF2B5EF4-FFF2-40B4-BE49-F238E27FC236}">
+                <a16:creationId xmlns:a16="http://schemas.microsoft.com/office/drawing/2014/main" id="{EC214FD1-58C4-AAEC-CE15-3B8AFAB97B02}"/>
+              </a:ext>
+            </a:extLst>
+          </p:cNvPr>
+          <p:cNvSpPr txBox="1"/>
+          <p:nvPr/>
+        </p:nvSpPr>
+        <p:spPr>
+          <a:xfrm>
+            <a:off x="3713757" y="2675913"/>
+            <a:ext cx="4330032" cy="830997"/>
+          </a:xfrm>
+          <a:prstGeom prst="rect">
+            <a:avLst/>
+          </a:prstGeom>
+          <a:noFill/>
+        </p:spPr>
+        <p:txBody>
+          <a:bodyPr wrap="none" rtlCol="0">
+            <a:spAutoFit/>
+          </a:bodyPr>
+          <a:lstStyle/>
+          <a:p>
+            <a:r>
+              <a:rPr lang="de-DE" altLang="zh-CN" sz="2400" dirty="0"/>
+              <a:t>Datenstruktur ähnlich, </a:t>
+            </a:r>
+          </a:p>
+          <a:p>
+            <a:r>
+              <a:rPr lang="de-DE" altLang="zh-CN" sz="2400" dirty="0"/>
+              <a:t>monatliche Mittelwerte berechnet</a:t>
+            </a:r>
+            <a:endParaRPr lang="zh-CN" altLang="en-US" sz="2400" dirty="0"/>
+          </a:p>
+        </p:txBody>
+      </p:sp>
+    </p:spTree>
+    <p:extLst>
+      <p:ext uri="{BB962C8B-B14F-4D97-AF65-F5344CB8AC3E}">
+        <p14:creationId xmlns:p14="http://schemas.microsoft.com/office/powerpoint/2010/main" val="3424530220"/>
+      </p:ext>
+    </p:extLst>
+  </p:cSld>
+  <p:clrMapOvr>
+    <a:masterClrMapping/>
+  </p:clrMapOvr>
+</p:sld>
+</file>
+
+<file path=ppt/slides/slide7.xml><?xml version="1.0" encoding="utf-8"?>
+<p:sld xmlns:a="http://schemas.openxmlformats.org/drawingml/2006/main" xmlns:r="http://schemas.openxmlformats.org/officeDocument/2006/relationships" xmlns:p="http://schemas.openxmlformats.org/presentationml/2006/main">
+  <p:cSld>
+    <p:spTree>
+      <p:nvGrpSpPr>
+        <p:cNvPr id="1" name=""/>
+        <p:cNvGrpSpPr/>
+        <p:nvPr/>
+      </p:nvGrpSpPr>
+      <p:grpSpPr>
+        <a:xfrm>
+          <a:off x="0" y="0"/>
+          <a:ext cx="0" cy="0"/>
+          <a:chOff x="0" y="0"/>
+          <a:chExt cx="0" cy="0"/>
+        </a:xfrm>
+      </p:grpSpPr>
+      <p:sp>
+        <p:nvSpPr>
+          <p:cNvPr id="2" name="Title 1">
+            <a:extLst>
+              <a:ext uri="{FF2B5EF4-FFF2-40B4-BE49-F238E27FC236}">
+                <a16:creationId xmlns:a16="http://schemas.microsoft.com/office/drawing/2014/main" id="{32B4CAEF-5C55-F3E3-8C05-2CE23ACE6CDB}"/>
+              </a:ext>
+            </a:extLst>
+          </p:cNvPr>
+          <p:cNvSpPr>
+            <a:spLocks noGrp="1"/>
+          </p:cNvSpPr>
+          <p:nvPr>
+            <p:ph type="title"/>
+          </p:nvPr>
+        </p:nvSpPr>
+        <p:spPr/>
+        <p:txBody>
+          <a:bodyPr/>
+          <a:lstStyle/>
+          <a:p>
+            <a:r>
+              <a:rPr lang="de-DE" altLang="zh-CN" dirty="0"/>
+              <a:t>Objects </a:t>
+            </a:r>
+            <a:r>
+              <a:rPr lang="de-DE" altLang="zh-CN" dirty="0" err="1"/>
+              <a:t>count</a:t>
+            </a:r>
+            <a:endParaRPr lang="zh-CN" altLang="en-US" dirty="0"/>
+          </a:p>
+        </p:txBody>
+      </p:sp>
+      <p:pic>
+        <p:nvPicPr>
+          <p:cNvPr id="6" name="Content Placeholder 5" descr="Chart&#10;&#10;Description automatically generated">
+            <a:extLst>
+              <a:ext uri="{FF2B5EF4-FFF2-40B4-BE49-F238E27FC236}">
+                <a16:creationId xmlns:a16="http://schemas.microsoft.com/office/drawing/2014/main" id="{CFF9C7AC-B073-794B-E934-DC1154F16D37}"/>
+              </a:ext>
+            </a:extLst>
+          </p:cNvPr>
+          <p:cNvPicPr>
+            <a:picLocks noGrp="1" noChangeAspect="1"/>
+          </p:cNvPicPr>
+          <p:nvPr>
+            <p:ph idx="1"/>
+          </p:nvPr>
+        </p:nvPicPr>
+        <p:blipFill>
+          <a:blip r:embed="rId2">
+            <a:extLst>
+              <a:ext uri="{28A0092B-C50C-407E-A947-70E740481C1C}">
+                <a14:useLocalDpi xmlns:a14="http://schemas.microsoft.com/office/drawing/2010/main" val="0"/>
+              </a:ext>
+            </a:extLst>
+          </a:blip>
+          <a:stretch>
+            <a:fillRect/>
+          </a:stretch>
+        </p:blipFill>
+        <p:spPr>
+          <a:xfrm>
+            <a:off x="685800" y="836712"/>
+            <a:ext cx="8069512" cy="4043161"/>
+          </a:xfrm>
+        </p:spPr>
+      </p:pic>
+      <p:sp>
+        <p:nvSpPr>
+          <p:cNvPr id="4" name="Slide Number Placeholder 3">
+            <a:extLst>
+              <a:ext uri="{FF2B5EF4-FFF2-40B4-BE49-F238E27FC236}">
+                <a16:creationId xmlns:a16="http://schemas.microsoft.com/office/drawing/2014/main" id="{60AA673D-4772-91A9-423A-92DD96930769}"/>
+              </a:ext>
+            </a:extLst>
+          </p:cNvPr>
+          <p:cNvSpPr>
+            <a:spLocks noGrp="1"/>
+          </p:cNvSpPr>
+          <p:nvPr>
+            <p:ph type="sldNum" sz="quarter" idx="12"/>
+          </p:nvPr>
+        </p:nvSpPr>
+        <p:spPr/>
+        <p:txBody>
+          <a:bodyPr/>
+          <a:lstStyle/>
+          <a:p>
+            <a:pPr>
+              <a:defRPr/>
+            </a:pPr>
+            <a:fld id="{A26A0649-E50C-4844-BD05-C05B747519B9}" type="slidenum">
+              <a:rPr lang="de-DE" altLang="en-US" smtClean="0"/>
+              <a:pPr>
+                <a:defRPr/>
+              </a:pPr>
+              <a:t>7</a:t>
+            </a:fld>
+            <a:endParaRPr lang="de-DE" altLang="en-US"/>
+          </a:p>
+        </p:txBody>
+      </p:sp>
+      <p:sp>
+        <p:nvSpPr>
+          <p:cNvPr id="7" name="TextBox 6">
+            <a:extLst>
+              <a:ext uri="{FF2B5EF4-FFF2-40B4-BE49-F238E27FC236}">
+                <a16:creationId xmlns:a16="http://schemas.microsoft.com/office/drawing/2014/main" id="{AE7B179F-1F9B-14DF-F492-E2250B01F2E9}"/>
+              </a:ext>
+            </a:extLst>
+          </p:cNvPr>
+          <p:cNvSpPr txBox="1"/>
+          <p:nvPr/>
+        </p:nvSpPr>
+        <p:spPr>
+          <a:xfrm>
+            <a:off x="971600" y="4215177"/>
+            <a:ext cx="7833426" cy="2246769"/>
+          </a:xfrm>
+          <a:prstGeom prst="rect">
+            <a:avLst/>
+          </a:prstGeom>
+          <a:noFill/>
+        </p:spPr>
+        <p:txBody>
+          <a:bodyPr wrap="none" rtlCol="0">
+            <a:spAutoFit/>
+          </a:bodyPr>
+          <a:lstStyle/>
+          <a:p>
+            <a:r>
+              <a:rPr lang="de-DE" altLang="zh-CN" sz="2000" dirty="0"/>
+              <a:t>Die </a:t>
+            </a:r>
+            <a:r>
+              <a:rPr lang="de-DE" altLang="zh-CN" sz="2000" dirty="0" err="1"/>
+              <a:t>Errorbar</a:t>
+            </a:r>
+            <a:r>
+              <a:rPr lang="de-DE" altLang="zh-CN" sz="2000" dirty="0"/>
+              <a:t> zeigt, im Vergleich zum letzten Jahr wie viele neue Objekten </a:t>
+            </a:r>
+          </a:p>
+          <a:p>
+            <a:r>
+              <a:rPr lang="de-DE" altLang="zh-CN" sz="2000" dirty="0"/>
+              <a:t>gab es und wie viele  Objekten nicht mehr detektiert worden.</a:t>
+            </a:r>
+          </a:p>
+          <a:p>
+            <a:endParaRPr lang="de-DE" altLang="zh-CN" sz="2000" dirty="0"/>
+          </a:p>
+          <a:p>
+            <a:r>
+              <a:rPr lang="de-DE" altLang="zh-CN" sz="2000" dirty="0"/>
+              <a:t>Der Grund für den erhebliche Anstieg im Jahr 2005 liegt vermutlich an </a:t>
+            </a:r>
+          </a:p>
+          <a:p>
+            <a:r>
+              <a:rPr lang="de-DE" altLang="zh-CN" sz="2000" dirty="0"/>
+              <a:t>originalen Datenfehlern</a:t>
+            </a:r>
+          </a:p>
+          <a:p>
+            <a:endParaRPr lang="de-DE" altLang="zh-CN" sz="2000" dirty="0"/>
+          </a:p>
+          <a:p>
+            <a:r>
+              <a:rPr lang="de-DE" altLang="zh-CN" sz="2000" dirty="0"/>
+              <a:t>Ab 2017 ist das </a:t>
+            </a:r>
+            <a:r>
+              <a:rPr lang="de-DE" altLang="zh-CN" sz="2000"/>
+              <a:t>Wachstum schneller</a:t>
+            </a:r>
+            <a:endParaRPr lang="zh-CN" altLang="en-US" sz="2000" dirty="0"/>
+          </a:p>
+        </p:txBody>
+      </p:sp>
+    </p:spTree>
+    <p:extLst>
+      <p:ext uri="{BB962C8B-B14F-4D97-AF65-F5344CB8AC3E}">
+        <p14:creationId xmlns:p14="http://schemas.microsoft.com/office/powerpoint/2010/main" val="2826045881"/>
+      </p:ext>
+    </p:extLst>
   </p:cSld>
   <p:clrMapOvr>
     <a:masterClrMapping/>

--- a/Project_Space_Debris/vortrag/20221219_Yu.pptx
+++ b/Project_Space_Debris/vortrag/20221219_Yu.pptx
@@ -165,7 +165,7 @@
 <file path=ppt/revisionInfo.xml><?xml version="1.0" encoding="utf-8"?>
 <p1510:revInfo xmlns:a="http://schemas.openxmlformats.org/drawingml/2006/main" xmlns:r="http://schemas.openxmlformats.org/officeDocument/2006/relationships" xmlns:p1510="http://schemas.microsoft.com/office/powerpoint/2015/10/main">
   <p1510:revLst>
-    <p1510:client id="{FC4BED8D-B233-477F-A57F-A8E1C0AD9783}" v="35" dt="2022-12-19T18:57:41.481"/>
+    <p1510:client id="{FC4BED8D-B233-477F-A57F-A8E1C0AD9783}" v="39" dt="2022-12-19T20:08:19.194"/>
   </p1510:revLst>
 </p1510:revInfo>
 </file>
@@ -1194,13 +1194,13 @@
   </pc:docChgLst>
   <pc:docChgLst>
     <pc:chgData name="Ziqing Yu" userId="76dbd0bb75f3aa62" providerId="LiveId" clId="{FC4BED8D-B233-477F-A57F-A8E1C0AD9783}"/>
-    <pc:docChg chg="undo custSel addSld modSld">
-      <pc:chgData name="Ziqing Yu" userId="76dbd0bb75f3aa62" providerId="LiveId" clId="{FC4BED8D-B233-477F-A57F-A8E1C0AD9783}" dt="2022-12-19T19:09:46.387" v="1029" actId="20577"/>
+    <pc:docChg chg="undo custSel addSld delSld modSld sldOrd">
+      <pc:chgData name="Ziqing Yu" userId="76dbd0bb75f3aa62" providerId="LiveId" clId="{FC4BED8D-B233-477F-A57F-A8E1C0AD9783}" dt="2022-12-19T20:09:54.661" v="1044" actId="2696"/>
       <pc:docMkLst>
         <pc:docMk/>
       </pc:docMkLst>
-      <pc:sldChg chg="modSp mod">
-        <pc:chgData name="Ziqing Yu" userId="76dbd0bb75f3aa62" providerId="LiveId" clId="{FC4BED8D-B233-477F-A57F-A8E1C0AD9783}" dt="2022-12-19T18:56:37.104" v="641" actId="20577"/>
+      <pc:sldChg chg="modSp mod ord">
+        <pc:chgData name="Ziqing Yu" userId="76dbd0bb75f3aa62" providerId="LiveId" clId="{FC4BED8D-B233-477F-A57F-A8E1C0AD9783}" dt="2022-12-19T20:08:01.714" v="1039"/>
         <pc:sldMkLst>
           <pc:docMk/>
           <pc:sldMk cId="0" sldId="280"/>
@@ -1535,6 +1535,125 @@
             <ac:picMk id="6" creationId="{CFF9C7AC-B073-794B-E934-DC1154F16D37}"/>
           </ac:picMkLst>
         </pc:picChg>
+      </pc:sldChg>
+      <pc:sldChg chg="modSp add del mod">
+        <pc:chgData name="Ziqing Yu" userId="76dbd0bb75f3aa62" providerId="LiveId" clId="{FC4BED8D-B233-477F-A57F-A8E1C0AD9783}" dt="2022-12-19T20:09:54.661" v="1044" actId="2696"/>
+        <pc:sldMkLst>
+          <pc:docMk/>
+          <pc:sldMk cId="94996950" sldId="287"/>
+        </pc:sldMkLst>
+        <pc:spChg chg="mod">
+          <ac:chgData name="Ziqing Yu" userId="76dbd0bb75f3aa62" providerId="LiveId" clId="{FC4BED8D-B233-477F-A57F-A8E1C0AD9783}" dt="2022-12-19T20:06:30.887" v="1031" actId="2711"/>
+          <ac:spMkLst>
+            <pc:docMk/>
+            <pc:sldMk cId="94996950" sldId="287"/>
+            <ac:spMk id="3" creationId="{7C158E3F-89F5-4DBE-7230-EEE6E71A6CCB}"/>
+          </ac:spMkLst>
+        </pc:spChg>
+      </pc:sldChg>
+      <pc:sldChg chg="modSp add del mod">
+        <pc:chgData name="Ziqing Yu" userId="76dbd0bb75f3aa62" providerId="LiveId" clId="{FC4BED8D-B233-477F-A57F-A8E1C0AD9783}" dt="2022-12-19T20:09:54.661" v="1044" actId="2696"/>
+        <pc:sldMkLst>
+          <pc:docMk/>
+          <pc:sldMk cId="2981735996" sldId="288"/>
+        </pc:sldMkLst>
+        <pc:spChg chg="mod">
+          <ac:chgData name="Ziqing Yu" userId="76dbd0bb75f3aa62" providerId="LiveId" clId="{FC4BED8D-B233-477F-A57F-A8E1C0AD9783}" dt="2022-12-19T20:06:38.941" v="1032" actId="2711"/>
+          <ac:spMkLst>
+            <pc:docMk/>
+            <pc:sldMk cId="2981735996" sldId="288"/>
+            <ac:spMk id="10" creationId="{F0FF3211-1C70-4046-3ED2-BA2BBCB0DEF8}"/>
+          </ac:spMkLst>
+        </pc:spChg>
+      </pc:sldChg>
+      <pc:sldChg chg="modSp add del">
+        <pc:chgData name="Ziqing Yu" userId="76dbd0bb75f3aa62" providerId="LiveId" clId="{FC4BED8D-B233-477F-A57F-A8E1C0AD9783}" dt="2022-12-19T20:09:54.661" v="1044" actId="2696"/>
+        <pc:sldMkLst>
+          <pc:docMk/>
+          <pc:sldMk cId="2470688130" sldId="289"/>
+        </pc:sldMkLst>
+        <pc:spChg chg="mod">
+          <ac:chgData name="Ziqing Yu" userId="76dbd0bb75f3aa62" providerId="LiveId" clId="{FC4BED8D-B233-477F-A57F-A8E1C0AD9783}" dt="2022-12-19T20:06:44.600" v="1033" actId="2711"/>
+          <ac:spMkLst>
+            <pc:docMk/>
+            <pc:sldMk cId="2470688130" sldId="289"/>
+            <ac:spMk id="7" creationId="{271DF986-CC17-9C1A-50B2-A1B823D0DA9E}"/>
+          </ac:spMkLst>
+        </pc:spChg>
+      </pc:sldChg>
+      <pc:sldChg chg="modSp add del mod">
+        <pc:chgData name="Ziqing Yu" userId="76dbd0bb75f3aa62" providerId="LiveId" clId="{FC4BED8D-B233-477F-A57F-A8E1C0AD9783}" dt="2022-12-19T20:09:54.661" v="1044" actId="2696"/>
+        <pc:sldMkLst>
+          <pc:docMk/>
+          <pc:sldMk cId="3350354078" sldId="290"/>
+        </pc:sldMkLst>
+        <pc:spChg chg="mod">
+          <ac:chgData name="Ziqing Yu" userId="76dbd0bb75f3aa62" providerId="LiveId" clId="{FC4BED8D-B233-477F-A57F-A8E1C0AD9783}" dt="2022-12-19T20:06:54.538" v="1034" actId="2711"/>
+          <ac:spMkLst>
+            <pc:docMk/>
+            <pc:sldMk cId="3350354078" sldId="290"/>
+            <ac:spMk id="7" creationId="{4E878F61-5CD3-D628-F883-8D52787AEC45}"/>
+          </ac:spMkLst>
+        </pc:spChg>
+      </pc:sldChg>
+      <pc:sldChg chg="modSp add del mod">
+        <pc:chgData name="Ziqing Yu" userId="76dbd0bb75f3aa62" providerId="LiveId" clId="{FC4BED8D-B233-477F-A57F-A8E1C0AD9783}" dt="2022-12-19T20:09:54.661" v="1044" actId="2696"/>
+        <pc:sldMkLst>
+          <pc:docMk/>
+          <pc:sldMk cId="3979103082" sldId="291"/>
+        </pc:sldMkLst>
+        <pc:spChg chg="mod">
+          <ac:chgData name="Ziqing Yu" userId="76dbd0bb75f3aa62" providerId="LiveId" clId="{FC4BED8D-B233-477F-A57F-A8E1C0AD9783}" dt="2022-12-19T20:06:59.093" v="1035" actId="2711"/>
+          <ac:spMkLst>
+            <pc:docMk/>
+            <pc:sldMk cId="3979103082" sldId="291"/>
+            <ac:spMk id="7" creationId="{E01EA8D3-9E2F-A4D7-B020-689F13156643}"/>
+          </ac:spMkLst>
+        </pc:spChg>
+      </pc:sldChg>
+      <pc:sldChg chg="modSp add del mod">
+        <pc:chgData name="Ziqing Yu" userId="76dbd0bb75f3aa62" providerId="LiveId" clId="{FC4BED8D-B233-477F-A57F-A8E1C0AD9783}" dt="2022-12-19T20:09:54.661" v="1044" actId="2696"/>
+        <pc:sldMkLst>
+          <pc:docMk/>
+          <pc:sldMk cId="656941187" sldId="292"/>
+        </pc:sldMkLst>
+        <pc:spChg chg="mod">
+          <ac:chgData name="Ziqing Yu" userId="76dbd0bb75f3aa62" providerId="LiveId" clId="{FC4BED8D-B233-477F-A57F-A8E1C0AD9783}" dt="2022-12-19T20:07:04.332" v="1036" actId="2711"/>
+          <ac:spMkLst>
+            <pc:docMk/>
+            <pc:sldMk cId="656941187" sldId="292"/>
+            <ac:spMk id="8" creationId="{F0486767-DFE2-A063-EA07-39A6EF0FCEE6}"/>
+          </ac:spMkLst>
+        </pc:spChg>
+      </pc:sldChg>
+      <pc:sldChg chg="add del">
+        <pc:chgData name="Ziqing Yu" userId="76dbd0bb75f3aa62" providerId="LiveId" clId="{FC4BED8D-B233-477F-A57F-A8E1C0AD9783}" dt="2022-12-19T20:09:44.333" v="1043" actId="2696"/>
+        <pc:sldMkLst>
+          <pc:docMk/>
+          <pc:sldMk cId="3606659380" sldId="293"/>
+        </pc:sldMkLst>
+      </pc:sldChg>
+      <pc:sldChg chg="add del">
+        <pc:chgData name="Ziqing Yu" userId="76dbd0bb75f3aa62" providerId="LiveId" clId="{FC4BED8D-B233-477F-A57F-A8E1C0AD9783}" dt="2022-12-19T20:09:44.333" v="1043" actId="2696"/>
+        <pc:sldMkLst>
+          <pc:docMk/>
+          <pc:sldMk cId="1448905895" sldId="294"/>
+        </pc:sldMkLst>
+      </pc:sldChg>
+      <pc:sldChg chg="modSp add del mod">
+        <pc:chgData name="Ziqing Yu" userId="76dbd0bb75f3aa62" providerId="LiveId" clId="{FC4BED8D-B233-477F-A57F-A8E1C0AD9783}" dt="2022-12-19T20:09:54.661" v="1044" actId="2696"/>
+        <pc:sldMkLst>
+          <pc:docMk/>
+          <pc:sldMk cId="3668761936" sldId="295"/>
+        </pc:sldMkLst>
+        <pc:spChg chg="mod">
+          <ac:chgData name="Ziqing Yu" userId="76dbd0bb75f3aa62" providerId="LiveId" clId="{FC4BED8D-B233-477F-A57F-A8E1C0AD9783}" dt="2022-12-19T20:08:32.436" v="1042" actId="20577"/>
+          <ac:spMkLst>
+            <pc:docMk/>
+            <pc:sldMk cId="3668761936" sldId="295"/>
+            <ac:spMk id="2" creationId="{5C9D74A9-AE3D-F3DD-2BAF-C5DB06F00B4F}"/>
+          </ac:spMkLst>
+        </pc:spChg>
       </pc:sldChg>
     </pc:docChg>
   </pc:docChgLst>
@@ -7720,11 +7839,7 @@
           <a:p>
             <a:r>
               <a:rPr lang="de-DE" altLang="zh-CN" sz="2000" dirty="0"/>
-              <a:t>Ab 2017 ist das </a:t>
-            </a:r>
-            <a:r>
-              <a:rPr lang="de-DE" altLang="zh-CN" sz="2000"/>
-              <a:t>Wachstum schneller</a:t>
+              <a:t>Ab 2017 ist das Wachstum schneller</a:t>
             </a:r>
             <a:endParaRPr lang="zh-CN" altLang="en-US" sz="2000" dirty="0"/>
           </a:p>
